--- a/workshop.pptx
+++ b/workshop.pptx
@@ -6604,7 +6604,7 @@
         </p:nvSpPr>
         <p:spPr>
           <a:xfrm>
-            <a:off x="5999892" y="5417740"/>
+            <a:off x="5978430" y="5418675"/>
             <a:ext cx="2895023" cy="369332"/>
           </a:xfrm>
           <a:prstGeom prst="rect">
@@ -6647,7 +6647,7 @@
         </p:nvSpPr>
         <p:spPr>
           <a:xfrm>
-            <a:off x="8894915" y="5440001"/>
+            <a:off x="8702931" y="5421498"/>
             <a:ext cx="2651047" cy="369332"/>
           </a:xfrm>
           <a:prstGeom prst="rect">
